--- a/src/output/cardx_credit_cards_presentation.pptx
+++ b/src/output/cardx_credit_cards_presentation.pptx
@@ -3102,37 +3102,127 @@
       <p:grpSpPr/>
       <p:sp>
         <p:nvSpPr>
-          <p:cNvPr id="2" name="Rectangle 1"/>
-          <p:cNvSpPr/>
+          <p:cNvPr id="2" name="TextBox 1"/>
+          <p:cNvSpPr txBox="1"/>
           <p:nvPr/>
         </p:nvSpPr>
         <p:spPr>
           <a:xfrm>
-            <a:off x="0" y="0"/>
-            <a:ext cx="14630400" cy="8229600"/>
+            <a:off x="914400" y="914400"/>
+            <a:ext cx="12801600" cy="1371600"/>
           </a:xfrm>
           <a:prstGeom prst="rect">
             <a:avLst/>
           </a:prstGeom>
-          <a:gradFill rotWithShape="1">
-            <a:gsLst>
-              <a:gs pos="0">
-                <a:schemeClr val="accent1">
-                  <a:tint val="100000"/>
-                  <a:shade val="100000"/>
-                  <a:satMod val="130000"/>
-                </a:schemeClr>
-              </a:gs>
-              <a:gs pos="100000">
-                <a:schemeClr val="accent1">
-                  <a:tint val="50000"/>
-                  <a:shade val="100000"/>
-                  <a:satMod val="350000"/>
-                </a:schemeClr>
-              </a:gs>
-            </a:gsLst>
-            <a:lin scaled="0"/>
-          </a:gradFill>
+          <a:noFill/>
+          <a:ln>
+            <a:noFill/>
+          </a:ln>
+        </p:spPr>
+        <p:txBody>
+          <a:bodyPr wrap="none">
+            <a:spAutoFit/>
+          </a:bodyPr>
+          <a:lstStyle/>
+          <a:p>
+            <a:pPr algn="ctr"/>
+            <a:r>
+              <a:rPr sz="5600" b="1">
+                <a:solidFill>
+                  <a:srgbClr val="5B2C6F"/>
+                </a:solidFill>
+                <a:latin typeface="Segoe UI"/>
+              </a:rPr>
+              <a:t>CardX Credit Cards</a:t>
+            </a:r>
+          </a:p>
+        </p:txBody>
+      </p:sp>
+      <p:sp>
+        <p:nvSpPr>
+          <p:cNvPr id="3" name="TextBox 2"/>
+          <p:cNvSpPr txBox="1"/>
+          <p:nvPr/>
+        </p:nvSpPr>
+        <p:spPr>
+          <a:xfrm>
+            <a:off x="914400" y="2286000"/>
+            <a:ext cx="12801600" cy="914400"/>
+          </a:xfrm>
+          <a:prstGeom prst="rect">
+            <a:avLst/>
+          </a:prstGeom>
+          <a:noFill/>
+          <a:ln>
+            <a:noFill/>
+          </a:ln>
+        </p:spPr>
+        <p:txBody>
+          <a:bodyPr wrap="none">
+            <a:spAutoFit/>
+          </a:bodyPr>
+          <a:lstStyle/>
+          <a:p>
+            <a:pPr algn="ctr"/>
+            <a:r>
+              <a:rPr sz="2800">
+                <a:solidFill>
+                  <a:srgbClr val="1A5276"/>
+                </a:solidFill>
+                <a:latin typeface="Segoe UI"/>
+              </a:rPr>
+              <a:t>Your Lifestyle, Your Credit Freedom</a:t>
+            </a:r>
+          </a:p>
+        </p:txBody>
+      </p:sp>
+      <p:pic>
+        <p:nvPicPr>
+          <p:cNvPr id="4" name="Picture 3" descr="tmp8xh272ah.jpg"/>
+          <p:cNvPicPr>
+            <a:picLocks noChangeAspect="1"/>
+          </p:cNvPicPr>
+          <p:nvPr/>
+        </p:nvPicPr>
+        <p:blipFill>
+          <a:blip r:embed="rId2"/>
+          <a:stretch>
+            <a:fillRect/>
+          </a:stretch>
+        </p:blipFill>
+        <p:spPr>
+          <a:xfrm>
+            <a:off x="1828800" y="3657600"/>
+            <a:ext cx="4572000" cy="2743200"/>
+          </a:xfrm>
+          <a:prstGeom prst="rect">
+            <a:avLst/>
+          </a:prstGeom>
+        </p:spPr>
+      </p:pic>
+      <p:sp>
+        <p:nvSpPr>
+          <p:cNvPr id="5" name="Rectangle 4"/>
+          <p:cNvSpPr/>
+          <p:nvPr/>
+        </p:nvSpPr>
+        <p:spPr>
+          <a:xfrm>
+            <a:off x="7315200" y="3657600"/>
+            <a:ext cx="6400800" cy="2743200"/>
+          </a:xfrm>
+          <a:prstGeom prst="rect">
+            <a:avLst/>
+          </a:prstGeom>
+          <a:solidFill>
+            <a:srgbClr val="FFFFFF"/>
+          </a:solidFill>
+          <a:ln w="12700">
+            <a:solidFill>
+              <a:srgbClr val="E0E0E0"/>
+            </a:solidFill>
+          </a:ln>
+          <a:effectLst/>
         </p:spPr>
         <p:style>
           <a:lnRef idx="1">
@@ -3158,14 +3248,14 @@
       </p:sp>
       <p:sp>
         <p:nvSpPr>
-          <p:cNvPr id="3" name="TextBox 2"/>
+          <p:cNvPr id="6" name="TextBox 5"/>
           <p:cNvSpPr txBox="1"/>
           <p:nvPr/>
         </p:nvSpPr>
         <p:spPr>
           <a:xfrm>
-            <a:off x="914400" y="914400"/>
-            <a:ext cx="12801600" cy="1371600"/>
+            <a:off x="7772400" y="4114800"/>
+            <a:ext cx="5486400" cy="1828800"/>
           </a:xfrm>
           <a:prstGeom prst="rect">
             <a:avLst/>
@@ -3181,152 +3271,6 @@
           </a:bodyPr>
           <a:lstStyle/>
           <a:p>
-            <a:pPr algn="ctr"/>
-            <a:r>
-              <a:rPr sz="5600" b="1">
-                <a:solidFill>
-                  <a:srgbClr val="5B2C6F"/>
-                </a:solidFill>
-                <a:latin typeface="Segoe UI"/>
-              </a:rPr>
-              <a:t>CardX Credit Cards</a:t>
-            </a:r>
-          </a:p>
-        </p:txBody>
-      </p:sp>
-      <p:sp>
-        <p:nvSpPr>
-          <p:cNvPr id="4" name="TextBox 3"/>
-          <p:cNvSpPr txBox="1"/>
-          <p:nvPr/>
-        </p:nvSpPr>
-        <p:spPr>
-          <a:xfrm>
-            <a:off x="914400" y="2286000"/>
-            <a:ext cx="12801600" cy="914400"/>
-          </a:xfrm>
-          <a:prstGeom prst="rect">
-            <a:avLst/>
-          </a:prstGeom>
-          <a:noFill/>
-          <a:ln>
-            <a:noFill/>
-          </a:ln>
-        </p:spPr>
-        <p:txBody>
-          <a:bodyPr wrap="none">
-            <a:spAutoFit/>
-          </a:bodyPr>
-          <a:lstStyle/>
-          <a:p>
-            <a:pPr algn="ctr"/>
-            <a:r>
-              <a:rPr sz="2800">
-                <a:solidFill>
-                  <a:srgbClr val="1A5276"/>
-                </a:solidFill>
-                <a:latin typeface="Segoe UI"/>
-              </a:rPr>
-              <a:t>Your Lifestyle, Your Credit Freedom</a:t>
-            </a:r>
-          </a:p>
-        </p:txBody>
-      </p:sp>
-      <p:pic>
-        <p:nvPicPr>
-          <p:cNvPr id="5" name="Picture 4" descr="tmpqhm9wrta.jpg"/>
-          <p:cNvPicPr>
-            <a:picLocks noChangeAspect="1"/>
-          </p:cNvPicPr>
-          <p:nvPr/>
-        </p:nvPicPr>
-        <p:blipFill>
-          <a:blip r:embed="rId2"/>
-          <a:stretch>
-            <a:fillRect/>
-          </a:stretch>
-        </p:blipFill>
-        <p:spPr>
-          <a:xfrm>
-            <a:off x="1828800" y="3657600"/>
-            <a:ext cx="4572000" cy="2743200"/>
-          </a:xfrm>
-          <a:prstGeom prst="rect">
-            <a:avLst/>
-          </a:prstGeom>
-        </p:spPr>
-      </p:pic>
-      <p:sp>
-        <p:nvSpPr>
-          <p:cNvPr id="6" name="Rectangle 5"/>
-          <p:cNvSpPr/>
-          <p:nvPr/>
-        </p:nvSpPr>
-        <p:spPr>
-          <a:xfrm>
-            <a:off x="7315200" y="3657600"/>
-            <a:ext cx="6400800" cy="2743200"/>
-          </a:xfrm>
-          <a:prstGeom prst="rect">
-            <a:avLst/>
-          </a:prstGeom>
-          <a:solidFill>
-            <a:srgbClr val="FFFFFF"/>
-          </a:solidFill>
-          <a:ln w="12700">
-            <a:solidFill>
-              <a:srgbClr val="E0E0E0"/>
-            </a:solidFill>
-          </a:ln>
-          <a:effectLst/>
-        </p:spPr>
-        <p:style>
-          <a:lnRef idx="1">
-            <a:schemeClr val="accent1"/>
-          </a:lnRef>
-          <a:fillRef idx="3">
-            <a:schemeClr val="accent1"/>
-          </a:fillRef>
-          <a:effectRef idx="2">
-            <a:schemeClr val="accent1"/>
-          </a:effectRef>
-          <a:fontRef idx="minor">
-            <a:schemeClr val="lt1"/>
-          </a:fontRef>
-        </p:style>
-        <p:txBody>
-          <a:bodyPr rtlCol="0" anchor="ctr"/>
-          <a:lstStyle/>
-          <a:p>
-            <a:pPr algn="ctr"/>
-          </a:p>
-        </p:txBody>
-      </p:sp>
-      <p:sp>
-        <p:nvSpPr>
-          <p:cNvPr id="7" name="TextBox 6"/>
-          <p:cNvSpPr txBox="1"/>
-          <p:nvPr/>
-        </p:nvSpPr>
-        <p:spPr>
-          <a:xfrm>
-            <a:off x="7772400" y="4114800"/>
-            <a:ext cx="5486400" cy="1828800"/>
-          </a:xfrm>
-          <a:prstGeom prst="rect">
-            <a:avLst/>
-          </a:prstGeom>
-          <a:noFill/>
-          <a:ln>
-            <a:noFill/>
-          </a:ln>
-        </p:spPr>
-        <p:txBody>
-          <a:bodyPr wrap="none">
-            <a:spAutoFit/>
-          </a:bodyPr>
-          <a:lstStyle/>
-          <a:p>
             <a:pPr algn="l">
               <a:lnSpc>
                 <a:spcPct val="140000"/>
@@ -3394,7 +3338,7 @@
       </p:sp>
       <p:sp>
         <p:nvSpPr>
-          <p:cNvPr id="8" name="TextBox 7"/>
+          <p:cNvPr id="7" name="TextBox 6"/>
           <p:cNvSpPr txBox="1"/>
           <p:nvPr/>
         </p:nvSpPr>
@@ -3461,37 +3405,65 @@
       <p:grpSpPr/>
       <p:sp>
         <p:nvSpPr>
-          <p:cNvPr id="2" name="Rectangle 1"/>
-          <p:cNvSpPr/>
+          <p:cNvPr id="2" name="TextBox 1"/>
+          <p:cNvSpPr txBox="1"/>
           <p:nvPr/>
         </p:nvSpPr>
         <p:spPr>
           <a:xfrm>
-            <a:off x="0" y="0"/>
-            <a:ext cx="14630400" cy="8229600"/>
+            <a:off x="914400" y="457200"/>
+            <a:ext cx="12801600" cy="1371600"/>
           </a:xfrm>
           <a:prstGeom prst="rect">
             <a:avLst/>
           </a:prstGeom>
-          <a:gradFill rotWithShape="1">
-            <a:gsLst>
-              <a:gs pos="0">
-                <a:schemeClr val="accent1">
-                  <a:tint val="100000"/>
-                  <a:shade val="100000"/>
-                  <a:satMod val="130000"/>
-                </a:schemeClr>
-              </a:gs>
-              <a:gs pos="100000">
-                <a:schemeClr val="accent1">
-                  <a:tint val="50000"/>
-                  <a:shade val="100000"/>
-                  <a:satMod val="350000"/>
-                </a:schemeClr>
-              </a:gs>
-            </a:gsLst>
-            <a:lin scaled="0"/>
-          </a:gradFill>
+          <a:noFill/>
+          <a:ln>
+            <a:noFill/>
+          </a:ln>
+        </p:spPr>
+        <p:txBody>
+          <a:bodyPr wrap="none">
+            <a:spAutoFit/>
+          </a:bodyPr>
+          <a:lstStyle/>
+          <a:p>
+            <a:pPr algn="ctr"/>
+            <a:r>
+              <a:rPr sz="4800" b="1">
+                <a:solidFill>
+                  <a:srgbClr val="1A5276"/>
+                </a:solidFill>
+                <a:latin typeface="Segoe UI"/>
+              </a:rPr>
+              <a:t>Benefits That Fit Every Lifestyle</a:t>
+            </a:r>
+          </a:p>
+        </p:txBody>
+      </p:sp>
+      <p:sp>
+        <p:nvSpPr>
+          <p:cNvPr id="3" name="Rectangle 2"/>
+          <p:cNvSpPr/>
+          <p:nvPr/>
+        </p:nvSpPr>
+        <p:spPr>
+          <a:xfrm>
+            <a:off x="914400" y="2286000"/>
+            <a:ext cx="3200400" cy="3657600"/>
+          </a:xfrm>
+          <a:prstGeom prst="rect">
+            <a:avLst/>
+          </a:prstGeom>
+          <a:solidFill>
+            <a:srgbClr val="FFFFFF"/>
+          </a:solidFill>
+          <a:ln w="12700">
+            <a:solidFill>
+              <a:srgbClr val="E0E0E0"/>
+            </a:solidFill>
+          </a:ln>
+          <a:effectLst/>
         </p:spPr>
         <p:style>
           <a:lnRef idx="1">
@@ -3517,14 +3489,14 @@
       </p:sp>
       <p:sp>
         <p:nvSpPr>
-          <p:cNvPr id="3" name="TextBox 2"/>
+          <p:cNvPr id="4" name="TextBox 3"/>
           <p:cNvSpPr txBox="1"/>
           <p:nvPr/>
         </p:nvSpPr>
         <p:spPr>
           <a:xfrm>
-            <a:off x="914400" y="457200"/>
-            <a:ext cx="12801600" cy="1371600"/>
+            <a:off x="2286000" y="2743200"/>
+            <a:ext cx="457200" cy="731520"/>
           </a:xfrm>
           <a:prstGeom prst="rect">
             <a:avLst/>
@@ -3540,28 +3512,94 @@
           </a:bodyPr>
           <a:lstStyle/>
           <a:p>
-            <a:pPr algn="ctr"/>
-            <a:r>
-              <a:rPr sz="4800" b="1">
+            <a:r>
+              <a:rPr sz="3600"/>
+              <a:t>✈️</a:t>
+            </a:r>
+          </a:p>
+        </p:txBody>
+      </p:sp>
+      <p:sp>
+        <p:nvSpPr>
+          <p:cNvPr id="5" name="TextBox 4"/>
+          <p:cNvSpPr txBox="1"/>
+          <p:nvPr/>
+        </p:nvSpPr>
+        <p:spPr>
+          <a:xfrm>
+            <a:off x="1097280" y="3657600"/>
+            <a:ext cx="2834640" cy="548640"/>
+          </a:xfrm>
+          <a:prstGeom prst="rect">
+            <a:avLst/>
+          </a:prstGeom>
+          <a:noFill/>
+          <a:ln>
+            <a:noFill/>
+          </a:ln>
+        </p:spPr>
+        <p:txBody>
+          <a:bodyPr wrap="none">
+            <a:spAutoFit/>
+          </a:bodyPr>
+          <a:lstStyle/>
+          <a:p>
+            <a:r>
+              <a:rPr sz="1800" b="1">
                 <a:solidFill>
                   <a:srgbClr val="1A5276"/>
                 </a:solidFill>
-                <a:latin typeface="Segoe UI"/>
               </a:rPr>
-              <a:t>Benefits That Fit Every Lifestyle</a:t>
-            </a:r>
-          </a:p>
-        </p:txBody>
-      </p:sp>
-      <p:sp>
-        <p:nvSpPr>
-          <p:cNvPr id="4" name="Rectangle 3"/>
+              <a:t>Travel Rewards</a:t>
+            </a:r>
+          </a:p>
+        </p:txBody>
+      </p:sp>
+      <p:sp>
+        <p:nvSpPr>
+          <p:cNvPr id="6" name="TextBox 5"/>
+          <p:cNvSpPr txBox="1"/>
+          <p:nvPr/>
+        </p:nvSpPr>
+        <p:spPr>
+          <a:xfrm>
+            <a:off x="1097280" y="4206240"/>
+            <a:ext cx="2834640" cy="1097280"/>
+          </a:xfrm>
+          <a:prstGeom prst="rect">
+            <a:avLst/>
+          </a:prstGeom>
+          <a:noFill/>
+          <a:ln>
+            <a:noFill/>
+          </a:ln>
+        </p:spPr>
+        <p:txBody>
+          <a:bodyPr wrap="none">
+            <a:spAutoFit/>
+          </a:bodyPr>
+          <a:lstStyle/>
+          <a:p>
+            <a:r>
+              <a:rPr sz="1400">
+                <a:solidFill>
+                  <a:srgbClr val="2C3E50"/>
+                </a:solidFill>
+              </a:rPr>
+              <a:t>Up to 51 days interest-free repayment</a:t>
+            </a:r>
+          </a:p>
+        </p:txBody>
+      </p:sp>
+      <p:sp>
+        <p:nvSpPr>
+          <p:cNvPr id="7" name="Rectangle 6"/>
           <p:cNvSpPr/>
           <p:nvPr/>
         </p:nvSpPr>
         <p:spPr>
           <a:xfrm>
-            <a:off x="914400" y="2286000"/>
+            <a:off x="4572000" y="2286000"/>
             <a:ext cx="3200400" cy="3657600"/>
           </a:xfrm>
           <a:prstGeom prst="rect">
@@ -3601,13 +3639,13 @@
       </p:sp>
       <p:sp>
         <p:nvSpPr>
-          <p:cNvPr id="5" name="TextBox 4"/>
+          <p:cNvPr id="8" name="TextBox 7"/>
           <p:cNvSpPr txBox="1"/>
           <p:nvPr/>
         </p:nvSpPr>
         <p:spPr>
           <a:xfrm>
-            <a:off x="2286000" y="2743200"/>
+            <a:off x="5943600" y="2743200"/>
             <a:ext cx="457200" cy="731520"/>
           </a:xfrm>
           <a:prstGeom prst="rect">
@@ -3626,20 +3664,20 @@
           <a:p>
             <a:r>
               <a:rPr sz="3600"/>
-              <a:t>✈️</a:t>
-            </a:r>
-          </a:p>
-        </p:txBody>
-      </p:sp>
-      <p:sp>
-        <p:nvSpPr>
-          <p:cNvPr id="6" name="TextBox 5"/>
+              <a:t>💰</a:t>
+            </a:r>
+          </a:p>
+        </p:txBody>
+      </p:sp>
+      <p:sp>
+        <p:nvSpPr>
+          <p:cNvPr id="9" name="TextBox 8"/>
           <p:cNvSpPr txBox="1"/>
           <p:nvPr/>
         </p:nvSpPr>
         <p:spPr>
           <a:xfrm>
-            <a:off x="1097280" y="3657600"/>
+            <a:off x="4754880" y="3657600"/>
             <a:ext cx="2834640" cy="548640"/>
           </a:xfrm>
           <a:prstGeom prst="rect">
@@ -3662,20 +3700,20 @@
                   <a:srgbClr val="1A5276"/>
                 </a:solidFill>
               </a:rPr>
-              <a:t>Travel Rewards</a:t>
-            </a:r>
-          </a:p>
-        </p:txBody>
-      </p:sp>
-      <p:sp>
-        <p:nvSpPr>
-          <p:cNvPr id="7" name="TextBox 6"/>
+              <a:t>Cash Freedom</a:t>
+            </a:r>
+          </a:p>
+        </p:txBody>
+      </p:sp>
+      <p:sp>
+        <p:nvSpPr>
+          <p:cNvPr id="10" name="TextBox 9"/>
           <p:cNvSpPr txBox="1"/>
           <p:nvPr/>
         </p:nvSpPr>
         <p:spPr>
           <a:xfrm>
-            <a:off x="1097280" y="4206240"/>
+            <a:off x="4754880" y="4206240"/>
             <a:ext cx="2834640" cy="1097280"/>
           </a:xfrm>
           <a:prstGeom prst="rect">
@@ -3698,20 +3736,20 @@
                   <a:srgbClr val="2C3E50"/>
                 </a:solidFill>
               </a:rPr>
-              <a:t>Up to 51 days interest-free repayment</a:t>
-            </a:r>
-          </a:p>
-        </p:txBody>
-      </p:sp>
-      <p:sp>
-        <p:nvSpPr>
-          <p:cNvPr id="8" name="Rectangle 7"/>
+              <a:t>100% cash withdrawal of remaining limit</a:t>
+            </a:r>
+          </a:p>
+        </p:txBody>
+      </p:sp>
+      <p:sp>
+        <p:nvSpPr>
+          <p:cNvPr id="11" name="Rectangle 10"/>
           <p:cNvSpPr/>
           <p:nvPr/>
         </p:nvSpPr>
         <p:spPr>
           <a:xfrm>
-            <a:off x="4572000" y="2286000"/>
+            <a:off x="8229600" y="2286000"/>
             <a:ext cx="3200400" cy="3657600"/>
           </a:xfrm>
           <a:prstGeom prst="rect">
@@ -3751,13 +3789,13 @@
       </p:sp>
       <p:sp>
         <p:nvSpPr>
-          <p:cNvPr id="9" name="TextBox 8"/>
+          <p:cNvPr id="12" name="TextBox 11"/>
           <p:cNvSpPr txBox="1"/>
           <p:nvPr/>
         </p:nvSpPr>
         <p:spPr>
           <a:xfrm>
-            <a:off x="5943600" y="2743200"/>
+            <a:off x="9601200" y="2743200"/>
             <a:ext cx="457200" cy="731520"/>
           </a:xfrm>
           <a:prstGeom prst="rect">
@@ -3776,20 +3814,20 @@
           <a:p>
             <a:r>
               <a:rPr sz="3600"/>
-              <a:t>💰</a:t>
-            </a:r>
-          </a:p>
-        </p:txBody>
-      </p:sp>
-      <p:sp>
-        <p:nvSpPr>
-          <p:cNvPr id="10" name="TextBox 9"/>
+              <a:t>🌟</a:t>
+            </a:r>
+          </a:p>
+        </p:txBody>
+      </p:sp>
+      <p:sp>
+        <p:nvSpPr>
+          <p:cNvPr id="13" name="TextBox 12"/>
           <p:cNvSpPr txBox="1"/>
           <p:nvPr/>
         </p:nvSpPr>
         <p:spPr>
           <a:xfrm>
-            <a:off x="4754880" y="3657600"/>
+            <a:off x="8412480" y="3657600"/>
             <a:ext cx="2834640" cy="548640"/>
           </a:xfrm>
           <a:prstGeom prst="rect">
@@ -3812,20 +3850,20 @@
                   <a:srgbClr val="1A5276"/>
                 </a:solidFill>
               </a:rPr>
-              <a:t>Cash Freedom</a:t>
-            </a:r>
-          </a:p>
-        </p:txBody>
-      </p:sp>
-      <p:sp>
-        <p:nvSpPr>
-          <p:cNvPr id="11" name="TextBox 10"/>
+              <a:t>Premium Perks</a:t>
+            </a:r>
+          </a:p>
+        </p:txBody>
+      </p:sp>
+      <p:sp>
+        <p:nvSpPr>
+          <p:cNvPr id="14" name="TextBox 13"/>
           <p:cNvSpPr txBox="1"/>
           <p:nvPr/>
         </p:nvSpPr>
         <p:spPr>
           <a:xfrm>
-            <a:off x="4754880" y="4206240"/>
+            <a:off x="8412480" y="4206240"/>
             <a:ext cx="2834640" cy="1097280"/>
           </a:xfrm>
           <a:prstGeom prst="rect">
@@ -3848,20 +3886,20 @@
                   <a:srgbClr val="2C3E50"/>
                 </a:solidFill>
               </a:rPr>
-              <a:t>100% cash withdrawal of remaining limit</a:t>
-            </a:r>
-          </a:p>
-        </p:txBody>
-      </p:sp>
-      <p:sp>
-        <p:nvSpPr>
-          <p:cNvPr id="12" name="Rectangle 11"/>
+              <a:t>Exclusive benefits for travelers &amp; families</a:t>
+            </a:r>
+          </a:p>
+        </p:txBody>
+      </p:sp>
+      <p:sp>
+        <p:nvSpPr>
+          <p:cNvPr id="15" name="Rectangle 14"/>
           <p:cNvSpPr/>
           <p:nvPr/>
         </p:nvSpPr>
         <p:spPr>
           <a:xfrm>
-            <a:off x="8229600" y="2286000"/>
+            <a:off x="11887200" y="2286000"/>
             <a:ext cx="3200400" cy="3657600"/>
           </a:xfrm>
           <a:prstGeom prst="rect">
@@ -3901,13 +3939,13 @@
       </p:sp>
       <p:sp>
         <p:nvSpPr>
-          <p:cNvPr id="13" name="TextBox 12"/>
+          <p:cNvPr id="16" name="TextBox 15"/>
           <p:cNvSpPr txBox="1"/>
           <p:nvPr/>
         </p:nvSpPr>
         <p:spPr>
           <a:xfrm>
-            <a:off x="9601200" y="2743200"/>
+            <a:off x="13258800" y="2743200"/>
             <a:ext cx="457200" cy="731520"/>
           </a:xfrm>
           <a:prstGeom prst="rect">
@@ -3926,20 +3964,20 @@
           <a:p>
             <a:r>
               <a:rPr sz="3600"/>
-              <a:t>🌟</a:t>
-            </a:r>
-          </a:p>
-        </p:txBody>
-      </p:sp>
-      <p:sp>
-        <p:nvSpPr>
-          <p:cNvPr id="14" name="TextBox 13"/>
+              <a:t>📱</a:t>
+            </a:r>
+          </a:p>
+        </p:txBody>
+      </p:sp>
+      <p:sp>
+        <p:nvSpPr>
+          <p:cNvPr id="17" name="TextBox 16"/>
           <p:cNvSpPr txBox="1"/>
           <p:nvPr/>
         </p:nvSpPr>
         <p:spPr>
           <a:xfrm>
-            <a:off x="8412480" y="3657600"/>
+            <a:off x="12070080" y="3657600"/>
             <a:ext cx="2834640" cy="548640"/>
           </a:xfrm>
           <a:prstGeom prst="rect">
@@ -3962,121 +4000,7 @@
                   <a:srgbClr val="1A5276"/>
                 </a:solidFill>
               </a:rPr>
-              <a:t>Premium Perks</a:t>
-            </a:r>
-          </a:p>
-        </p:txBody>
-      </p:sp>
-      <p:sp>
-        <p:nvSpPr>
-          <p:cNvPr id="15" name="TextBox 14"/>
-          <p:cNvSpPr txBox="1"/>
-          <p:nvPr/>
-        </p:nvSpPr>
-        <p:spPr>
-          <a:xfrm>
-            <a:off x="8412480" y="4206240"/>
-            <a:ext cx="2834640" cy="1097280"/>
-          </a:xfrm>
-          <a:prstGeom prst="rect">
-            <a:avLst/>
-          </a:prstGeom>
-          <a:noFill/>
-          <a:ln>
-            <a:noFill/>
-          </a:ln>
-        </p:spPr>
-        <p:txBody>
-          <a:bodyPr wrap="none">
-            <a:spAutoFit/>
-          </a:bodyPr>
-          <a:lstStyle/>
-          <a:p>
-            <a:r>
-              <a:rPr sz="1400">
-                <a:solidFill>
-                  <a:srgbClr val="2C3E50"/>
-                </a:solidFill>
-              </a:rPr>
-              <a:t>Exclusive benefits for travelers &amp; families</a:t>
-            </a:r>
-          </a:p>
-        </p:txBody>
-      </p:sp>
-      <p:sp>
-        <p:nvSpPr>
-          <p:cNvPr id="16" name="Rectangle 15"/>
-          <p:cNvSpPr/>
-          <p:nvPr/>
-        </p:nvSpPr>
-        <p:spPr>
-          <a:xfrm>
-            <a:off x="11887200" y="2286000"/>
-            <a:ext cx="3200400" cy="3657600"/>
-          </a:xfrm>
-          <a:prstGeom prst="rect">
-            <a:avLst/>
-          </a:prstGeom>
-          <a:solidFill>
-            <a:srgbClr val="FFFFFF"/>
-          </a:solidFill>
-          <a:ln w="12700">
-            <a:solidFill>
-              <a:srgbClr val="E0E0E0"/>
-            </a:solidFill>
-          </a:ln>
-          <a:effectLst/>
-        </p:spPr>
-        <p:style>
-          <a:lnRef idx="1">
-            <a:schemeClr val="accent1"/>
-          </a:lnRef>
-          <a:fillRef idx="3">
-            <a:schemeClr val="accent1"/>
-          </a:fillRef>
-          <a:effectRef idx="2">
-            <a:schemeClr val="accent1"/>
-          </a:effectRef>
-          <a:fontRef idx="minor">
-            <a:schemeClr val="lt1"/>
-          </a:fontRef>
-        </p:style>
-        <p:txBody>
-          <a:bodyPr rtlCol="0" anchor="ctr"/>
-          <a:lstStyle/>
-          <a:p>
-            <a:pPr algn="ctr"/>
-          </a:p>
-        </p:txBody>
-      </p:sp>
-      <p:sp>
-        <p:nvSpPr>
-          <p:cNvPr id="17" name="TextBox 16"/>
-          <p:cNvSpPr txBox="1"/>
-          <p:nvPr/>
-        </p:nvSpPr>
-        <p:spPr>
-          <a:xfrm>
-            <a:off x="13258800" y="2743200"/>
-            <a:ext cx="457200" cy="731520"/>
-          </a:xfrm>
-          <a:prstGeom prst="rect">
-            <a:avLst/>
-          </a:prstGeom>
-          <a:noFill/>
-          <a:ln>
-            <a:noFill/>
-          </a:ln>
-        </p:spPr>
-        <p:txBody>
-          <a:bodyPr wrap="none">
-            <a:spAutoFit/>
-          </a:bodyPr>
-          <a:lstStyle/>
-          <a:p>
-            <a:r>
-              <a:rPr sz="3600"/>
-              <a:t>📱</a:t>
+              <a:t>Mobile App</a:t>
             </a:r>
           </a:p>
         </p:txBody>
@@ -4084,42 +4008,6 @@
       <p:sp>
         <p:nvSpPr>
           <p:cNvPr id="18" name="TextBox 17"/>
-          <p:cNvSpPr txBox="1"/>
-          <p:nvPr/>
-        </p:nvSpPr>
-        <p:spPr>
-          <a:xfrm>
-            <a:off x="12070080" y="3657600"/>
-            <a:ext cx="2834640" cy="548640"/>
-          </a:xfrm>
-          <a:prstGeom prst="rect">
-            <a:avLst/>
-          </a:prstGeom>
-          <a:noFill/>
-          <a:ln>
-            <a:noFill/>
-          </a:ln>
-        </p:spPr>
-        <p:txBody>
-          <a:bodyPr wrap="none">
-            <a:spAutoFit/>
-          </a:bodyPr>
-          <a:lstStyle/>
-          <a:p>
-            <a:r>
-              <a:rPr sz="1800" b="1">
-                <a:solidFill>
-                  <a:srgbClr val="1A5276"/>
-                </a:solidFill>
-              </a:rPr>
-              <a:t>Mobile App</a:t>
-            </a:r>
-          </a:p>
-        </p:txBody>
-      </p:sp>
-      <p:sp>
-        <p:nvSpPr>
-          <p:cNvPr id="19" name="TextBox 18"/>
           <p:cNvSpPr txBox="1"/>
           <p:nvPr/>
         </p:nvSpPr>
@@ -4184,63 +4072,7 @@
       <p:grpSpPr/>
       <p:sp>
         <p:nvSpPr>
-          <p:cNvPr id="2" name="Rectangle 1"/>
-          <p:cNvSpPr/>
-          <p:nvPr/>
-        </p:nvSpPr>
-        <p:spPr>
-          <a:xfrm>
-            <a:off x="0" y="0"/>
-            <a:ext cx="14630400" cy="8229600"/>
-          </a:xfrm>
-          <a:prstGeom prst="rect">
-            <a:avLst/>
-          </a:prstGeom>
-          <a:gradFill rotWithShape="1">
-            <a:gsLst>
-              <a:gs pos="0">
-                <a:schemeClr val="accent1">
-                  <a:tint val="100000"/>
-                  <a:shade val="100000"/>
-                  <a:satMod val="130000"/>
-                </a:schemeClr>
-              </a:gs>
-              <a:gs pos="100000">
-                <a:schemeClr val="accent1">
-                  <a:tint val="50000"/>
-                  <a:shade val="100000"/>
-                  <a:satMod val="350000"/>
-                </a:schemeClr>
-              </a:gs>
-            </a:gsLst>
-            <a:lin scaled="0"/>
-          </a:gradFill>
-        </p:spPr>
-        <p:style>
-          <a:lnRef idx="1">
-            <a:schemeClr val="accent1"/>
-          </a:lnRef>
-          <a:fillRef idx="3">
-            <a:schemeClr val="accent1"/>
-          </a:fillRef>
-          <a:effectRef idx="2">
-            <a:schemeClr val="accent1"/>
-          </a:effectRef>
-          <a:fontRef idx="minor">
-            <a:schemeClr val="lt1"/>
-          </a:fontRef>
-        </p:style>
-        <p:txBody>
-          <a:bodyPr rtlCol="0" anchor="ctr"/>
-          <a:lstStyle/>
-          <a:p>
-            <a:pPr algn="ctr"/>
-          </a:p>
-        </p:txBody>
-      </p:sp>
-      <p:sp>
-        <p:nvSpPr>
-          <p:cNvPr id="3" name="TextBox 2"/>
+          <p:cNvPr id="2" name="TextBox 1"/>
           <p:cNvSpPr txBox="1"/>
           <p:nvPr/>
         </p:nvSpPr>
@@ -4278,7 +4110,7 @@
       </p:sp>
       <p:graphicFrame>
         <p:nvGraphicFramePr>
-          <p:cNvPr id="4" name="Table 3"/>
+          <p:cNvPr id="3" name="Table 2"/>
           <p:cNvGraphicFramePr>
             <a:graphicFrameLocks noGrp="1"/>
           </p:cNvGraphicFramePr>
@@ -4635,7 +4467,7 @@
       </p:graphicFrame>
       <p:sp>
         <p:nvSpPr>
-          <p:cNvPr id="5" name="Rectangle 4"/>
+          <p:cNvPr id="4" name="Rectangle 3"/>
           <p:cNvSpPr/>
           <p:nvPr/>
         </p:nvSpPr>
@@ -4680,7 +4512,7 @@
       </p:sp>
       <p:sp>
         <p:nvSpPr>
-          <p:cNvPr id="6" name="TextBox 5"/>
+          <p:cNvPr id="5" name="TextBox 4"/>
           <p:cNvSpPr txBox="1"/>
           <p:nvPr/>
         </p:nvSpPr>
@@ -4744,37 +4576,89 @@
       <p:grpSpPr/>
       <p:sp>
         <p:nvSpPr>
-          <p:cNvPr id="2" name="Rectangle 1"/>
-          <p:cNvSpPr/>
+          <p:cNvPr id="2" name="TextBox 1"/>
+          <p:cNvSpPr txBox="1"/>
           <p:nvPr/>
         </p:nvSpPr>
         <p:spPr>
           <a:xfrm>
-            <a:off x="0" y="0"/>
-            <a:ext cx="14630400" cy="8229600"/>
+            <a:off x="914400" y="457200"/>
+            <a:ext cx="12801600" cy="1371600"/>
           </a:xfrm>
           <a:prstGeom prst="rect">
             <a:avLst/>
           </a:prstGeom>
-          <a:gradFill rotWithShape="1">
-            <a:gsLst>
-              <a:gs pos="0">
-                <a:schemeClr val="accent1">
-                  <a:tint val="100000"/>
-                  <a:shade val="100000"/>
-                  <a:satMod val="130000"/>
-                </a:schemeClr>
-              </a:gs>
-              <a:gs pos="100000">
-                <a:schemeClr val="accent1">
-                  <a:tint val="50000"/>
-                  <a:shade val="100000"/>
-                  <a:satMod val="350000"/>
-                </a:schemeClr>
-              </a:gs>
-            </a:gsLst>
-            <a:lin scaled="0"/>
-          </a:gradFill>
+          <a:noFill/>
+          <a:ln>
+            <a:noFill/>
+          </a:ln>
+        </p:spPr>
+        <p:txBody>
+          <a:bodyPr wrap="none">
+            <a:spAutoFit/>
+          </a:bodyPr>
+          <a:lstStyle/>
+          <a:p>
+            <a:pPr algn="ctr"/>
+            <a:r>
+              <a:rPr sz="4800" b="1">
+                <a:solidFill>
+                  <a:srgbClr val="FFFFFF"/>
+                </a:solidFill>
+                <a:latin typeface="Segoe UI"/>
+              </a:rPr>
+              <a:t>Security You Can Trust</a:t>
+            </a:r>
+          </a:p>
+        </p:txBody>
+      </p:sp>
+      <p:pic>
+        <p:nvPicPr>
+          <p:cNvPr id="3" name="Picture 2" descr="tmpjbtzmj2w.jpg"/>
+          <p:cNvPicPr>
+            <a:picLocks noChangeAspect="1"/>
+          </p:cNvPicPr>
+          <p:nvPr/>
+        </p:nvPicPr>
+        <p:blipFill>
+          <a:blip r:embed="rId2"/>
+          <a:stretch>
+            <a:fillRect/>
+          </a:stretch>
+        </p:blipFill>
+        <p:spPr>
+          <a:xfrm>
+            <a:off x="1371600" y="2286000"/>
+            <a:ext cx="4572000" cy="3657600"/>
+          </a:xfrm>
+          <a:prstGeom prst="rect">
+            <a:avLst/>
+          </a:prstGeom>
+        </p:spPr>
+      </p:pic>
+      <p:sp>
+        <p:nvSpPr>
+          <p:cNvPr id="4" name="Rectangle 3"/>
+          <p:cNvSpPr/>
+          <p:nvPr/>
+        </p:nvSpPr>
+        <p:spPr>
+          <a:xfrm>
+            <a:off x="6858000" y="2286000"/>
+            <a:ext cx="6858000" cy="3657600"/>
+          </a:xfrm>
+          <a:prstGeom prst="rect">
+            <a:avLst/>
+          </a:prstGeom>
+          <a:solidFill>
+            <a:srgbClr val="FFFFFF"/>
+          </a:solidFill>
+          <a:ln w="12700">
+            <a:solidFill>
+              <a:srgbClr val="E0E0E0"/>
+            </a:solidFill>
+          </a:ln>
+          <a:effectLst/>
         </p:spPr>
         <p:style>
           <a:lnRef idx="1">
@@ -4800,14 +4684,14 @@
       </p:sp>
       <p:sp>
         <p:nvSpPr>
-          <p:cNvPr id="3" name="TextBox 2"/>
+          <p:cNvPr id="5" name="TextBox 4"/>
           <p:cNvSpPr txBox="1"/>
           <p:nvPr/>
         </p:nvSpPr>
         <p:spPr>
           <a:xfrm>
-            <a:off x="914400" y="457200"/>
-            <a:ext cx="12801600" cy="1371600"/>
+            <a:off x="7315200" y="2743200"/>
+            <a:ext cx="5943600" cy="548640"/>
           </a:xfrm>
           <a:prstGeom prst="rect">
             <a:avLst/>
@@ -4823,86 +4707,14 @@
           </a:bodyPr>
           <a:lstStyle/>
           <a:p>
-            <a:pPr algn="ctr"/>
-            <a:r>
-              <a:rPr sz="4800" b="1">
+            <a:r>
+              <a:rPr sz="1800" b="1">
                 <a:solidFill>
-                  <a:srgbClr val="FFFFFF"/>
+                  <a:srgbClr val="154360"/>
                 </a:solidFill>
-                <a:latin typeface="Segoe UI"/>
               </a:rPr>
-              <a:t>Security You Can Trust</a:t>
-            </a:r>
-          </a:p>
-        </p:txBody>
-      </p:sp>
-      <p:pic>
-        <p:nvPicPr>
-          <p:cNvPr id="4" name="Picture 3" descr="tmpmruy4vhi.jpg"/>
-          <p:cNvPicPr>
-            <a:picLocks noChangeAspect="1"/>
-          </p:cNvPicPr>
-          <p:nvPr/>
-        </p:nvPicPr>
-        <p:blipFill>
-          <a:blip r:embed="rId2"/>
-          <a:stretch>
-            <a:fillRect/>
-          </a:stretch>
-        </p:blipFill>
-        <p:spPr>
-          <a:xfrm>
-            <a:off x="1371600" y="2286000"/>
-            <a:ext cx="4572000" cy="3657600"/>
-          </a:xfrm>
-          <a:prstGeom prst="rect">
-            <a:avLst/>
-          </a:prstGeom>
-        </p:spPr>
-      </p:pic>
-      <p:sp>
-        <p:nvSpPr>
-          <p:cNvPr id="5" name="Rectangle 4"/>
-          <p:cNvSpPr/>
-          <p:nvPr/>
-        </p:nvSpPr>
-        <p:spPr>
-          <a:xfrm>
-            <a:off x="6858000" y="2286000"/>
-            <a:ext cx="6858000" cy="3657600"/>
-          </a:xfrm>
-          <a:prstGeom prst="rect">
-            <a:avLst/>
-          </a:prstGeom>
-          <a:solidFill>
-            <a:srgbClr val="FFFFFF"/>
-          </a:solidFill>
-          <a:ln w="12700">
-            <a:solidFill>
-              <a:srgbClr val="E0E0E0"/>
-            </a:solidFill>
-          </a:ln>
-          <a:effectLst/>
-        </p:spPr>
-        <p:style>
-          <a:lnRef idx="1">
-            <a:schemeClr val="accent1"/>
-          </a:lnRef>
-          <a:fillRef idx="3">
-            <a:schemeClr val="accent1"/>
-          </a:fillRef>
-          <a:effectRef idx="2">
-            <a:schemeClr val="accent1"/>
-          </a:effectRef>
-          <a:fontRef idx="minor">
-            <a:schemeClr val="lt1"/>
-          </a:fontRef>
-        </p:style>
-        <p:txBody>
-          <a:bodyPr rtlCol="0" anchor="ctr"/>
-          <a:lstStyle/>
-          <a:p>
-            <a:pPr algn="ctr"/>
+              <a:t>🔒 Instant Card Freeze</a:t>
+            </a:r>
           </a:p>
         </p:txBody>
       </p:sp>
@@ -4914,8 +4726,8 @@
         </p:nvSpPr>
         <p:spPr>
           <a:xfrm>
-            <a:off x="7315200" y="2743200"/>
-            <a:ext cx="5943600" cy="548640"/>
+            <a:off x="7315200" y="3291840"/>
+            <a:ext cx="5943600" cy="457200"/>
           </a:xfrm>
           <a:prstGeom prst="rect">
             <a:avLst/>
@@ -4932,12 +4744,12 @@
           <a:lstStyle/>
           <a:p>
             <a:r>
-              <a:rPr sz="1800" b="1">
+              <a:rPr sz="1400">
                 <a:solidFill>
-                  <a:srgbClr val="154360"/>
+                  <a:srgbClr val="2C3E50"/>
                 </a:solidFill>
               </a:rPr>
-              <a:t>🔒 Instant Card Freeze</a:t>
+              <a:t>Via CardX App in case of loss</a:t>
             </a:r>
           </a:p>
         </p:txBody>
@@ -4950,8 +4762,8 @@
         </p:nvSpPr>
         <p:spPr>
           <a:xfrm>
-            <a:off x="7315200" y="3291840"/>
-            <a:ext cx="5943600" cy="457200"/>
+            <a:off x="7315200" y="3931920"/>
+            <a:ext cx="5943600" cy="548640"/>
           </a:xfrm>
           <a:prstGeom prst="rect">
             <a:avLst/>
@@ -4968,12 +4780,12 @@
           <a:lstStyle/>
           <a:p>
             <a:r>
-              <a:rPr sz="1400">
+              <a:rPr sz="1800" b="1">
                 <a:solidFill>
-                  <a:srgbClr val="2C3E50"/>
+                  <a:srgbClr val="154360"/>
                 </a:solidFill>
               </a:rPr>
-              <a:t>Via CardX App in case of loss</a:t>
+              <a:t>📞 24/7 Customer Support</a:t>
             </a:r>
           </a:p>
         </p:txBody>
@@ -4986,8 +4798,8 @@
         </p:nvSpPr>
         <p:spPr>
           <a:xfrm>
-            <a:off x="7315200" y="3931920"/>
-            <a:ext cx="5943600" cy="548640"/>
+            <a:off x="7315200" y="4480560"/>
+            <a:ext cx="5943600" cy="457200"/>
           </a:xfrm>
           <a:prstGeom prst="rect">
             <a:avLst/>
@@ -5004,12 +4816,12 @@
           <a:lstStyle/>
           <a:p>
             <a:r>
-              <a:rPr sz="1800" b="1">
+              <a:rPr sz="1400">
                 <a:solidFill>
-                  <a:srgbClr val="154360"/>
+                  <a:srgbClr val="2C3E50"/>
                 </a:solidFill>
               </a:rPr>
-              <a:t>📞 24/7 Customer Support</a:t>
+              <a:t>Call 1468 anytime</a:t>
             </a:r>
           </a:p>
         </p:txBody>
@@ -5022,8 +4834,8 @@
         </p:nvSpPr>
         <p:spPr>
           <a:xfrm>
-            <a:off x="7315200" y="4480560"/>
-            <a:ext cx="5943600" cy="457200"/>
+            <a:off x="7315200" y="5120640"/>
+            <a:ext cx="5943600" cy="548640"/>
           </a:xfrm>
           <a:prstGeom prst="rect">
             <a:avLst/>
@@ -5040,12 +4852,12 @@
           <a:lstStyle/>
           <a:p>
             <a:r>
-              <a:rPr sz="1400">
+              <a:rPr sz="1800" b="1">
                 <a:solidFill>
-                  <a:srgbClr val="2C3E50"/>
+                  <a:srgbClr val="154360"/>
                 </a:solidFill>
               </a:rPr>
-              <a:t>Call 1468 anytime</a:t>
+              <a:t>🛡️ Fraud Protection</a:t>
             </a:r>
           </a:p>
         </p:txBody>
@@ -5058,8 +4870,8 @@
         </p:nvSpPr>
         <p:spPr>
           <a:xfrm>
-            <a:off x="7315200" y="5120640"/>
-            <a:ext cx="5943600" cy="548640"/>
+            <a:off x="7315200" y="5669280"/>
+            <a:ext cx="5943600" cy="457200"/>
           </a:xfrm>
           <a:prstGeom prst="rect">
             <a:avLst/>
@@ -5076,42 +4888,6 @@
           <a:lstStyle/>
           <a:p>
             <a:r>
-              <a:rPr sz="1800" b="1">
-                <a:solidFill>
-                  <a:srgbClr val="154360"/>
-                </a:solidFill>
-              </a:rPr>
-              <a:t>🛡️ Fraud Protection</a:t>
-            </a:r>
-          </a:p>
-        </p:txBody>
-      </p:sp>
-      <p:sp>
-        <p:nvSpPr>
-          <p:cNvPr id="11" name="TextBox 10"/>
-          <p:cNvSpPr txBox="1"/>
-          <p:nvPr/>
-        </p:nvSpPr>
-        <p:spPr>
-          <a:xfrm>
-            <a:off x="7315200" y="5669280"/>
-            <a:ext cx="5943600" cy="457200"/>
-          </a:xfrm>
-          <a:prstGeom prst="rect">
-            <a:avLst/>
-          </a:prstGeom>
-          <a:noFill/>
-          <a:ln>
-            <a:noFill/>
-          </a:ln>
-        </p:spPr>
-        <p:txBody>
-          <a:bodyPr wrap="none">
-            <a:spAutoFit/>
-          </a:bodyPr>
-          <a:lstStyle/>
-          <a:p>
-            <a:r>
               <a:rPr sz="1400">
                 <a:solidFill>
                   <a:srgbClr val="2C3E50"/>
@@ -5124,7 +4900,7 @@
       </p:sp>
       <p:sp>
         <p:nvSpPr>
-          <p:cNvPr id="12" name="TextBox 11"/>
+          <p:cNvPr id="11" name="TextBox 10"/>
           <p:cNvSpPr txBox="1"/>
           <p:nvPr/>
         </p:nvSpPr>
@@ -5191,37 +4967,89 @@
       <p:grpSpPr/>
       <p:sp>
         <p:nvSpPr>
-          <p:cNvPr id="2" name="Rectangle 1"/>
-          <p:cNvSpPr/>
+          <p:cNvPr id="2" name="TextBox 1"/>
+          <p:cNvSpPr txBox="1"/>
           <p:nvPr/>
         </p:nvSpPr>
         <p:spPr>
           <a:xfrm>
-            <a:off x="0" y="0"/>
-            <a:ext cx="14630400" cy="8229600"/>
+            <a:off x="914400" y="914400"/>
+            <a:ext cx="12801600" cy="1371600"/>
           </a:xfrm>
           <a:prstGeom prst="rect">
             <a:avLst/>
           </a:prstGeom>
-          <a:gradFill rotWithShape="1">
-            <a:gsLst>
-              <a:gs pos="0">
-                <a:schemeClr val="accent1">
-                  <a:tint val="100000"/>
-                  <a:shade val="100000"/>
-                  <a:satMod val="130000"/>
-                </a:schemeClr>
-              </a:gs>
-              <a:gs pos="100000">
-                <a:schemeClr val="accent1">
-                  <a:tint val="50000"/>
-                  <a:shade val="100000"/>
-                  <a:satMod val="350000"/>
-                </a:schemeClr>
-              </a:gs>
-            </a:gsLst>
-            <a:lin scaled="0"/>
-          </a:gradFill>
+          <a:noFill/>
+          <a:ln>
+            <a:noFill/>
+          </a:ln>
+        </p:spPr>
+        <p:txBody>
+          <a:bodyPr wrap="none">
+            <a:spAutoFit/>
+          </a:bodyPr>
+          <a:lstStyle/>
+          <a:p>
+            <a:pPr algn="ctr"/>
+            <a:r>
+              <a:rPr sz="4800" b="1">
+                <a:solidFill>
+                  <a:srgbClr val="FFFFFF"/>
+                </a:solidFill>
+                <a:latin typeface="Segoe UI"/>
+              </a:rPr>
+              <a:t>Choose the Perfect Card for You</a:t>
+            </a:r>
+          </a:p>
+        </p:txBody>
+      </p:sp>
+      <p:pic>
+        <p:nvPicPr>
+          <p:cNvPr id="3" name="Picture 2" descr="tmp7qx_2zhl.jpg"/>
+          <p:cNvPicPr>
+            <a:picLocks noChangeAspect="1"/>
+          </p:cNvPicPr>
+          <p:nvPr/>
+        </p:nvPicPr>
+        <p:blipFill>
+          <a:blip r:embed="rId2"/>
+          <a:stretch>
+            <a:fillRect/>
+          </a:stretch>
+        </p:blipFill>
+        <p:spPr>
+          <a:xfrm>
+            <a:off x="1371600" y="2743200"/>
+            <a:ext cx="4572000" cy="2743200"/>
+          </a:xfrm>
+          <a:prstGeom prst="rect">
+            <a:avLst/>
+          </a:prstGeom>
+        </p:spPr>
+      </p:pic>
+      <p:sp>
+        <p:nvSpPr>
+          <p:cNvPr id="4" name="Rectangle 3"/>
+          <p:cNvSpPr/>
+          <p:nvPr/>
+        </p:nvSpPr>
+        <p:spPr>
+          <a:xfrm>
+            <a:off x="6858000" y="2743200"/>
+            <a:ext cx="6858000" cy="2743200"/>
+          </a:xfrm>
+          <a:prstGeom prst="rect">
+            <a:avLst/>
+          </a:prstGeom>
+          <a:solidFill>
+            <a:srgbClr val="FFFFFF"/>
+          </a:solidFill>
+          <a:ln w="12700">
+            <a:solidFill>
+              <a:srgbClr val="E0E0E0"/>
+            </a:solidFill>
+          </a:ln>
+          <a:effectLst/>
         </p:spPr>
         <p:style>
           <a:lnRef idx="1">
@@ -5247,14 +5075,14 @@
       </p:sp>
       <p:sp>
         <p:nvSpPr>
-          <p:cNvPr id="3" name="TextBox 2"/>
+          <p:cNvPr id="5" name="TextBox 4"/>
           <p:cNvSpPr txBox="1"/>
           <p:nvPr/>
         </p:nvSpPr>
         <p:spPr>
           <a:xfrm>
-            <a:off x="914400" y="914400"/>
-            <a:ext cx="12801600" cy="1371600"/>
+            <a:off x="7315200" y="3017520"/>
+            <a:ext cx="5943600" cy="548640"/>
           </a:xfrm>
           <a:prstGeom prst="rect">
             <a:avLst/>
@@ -5270,86 +5098,14 @@
           </a:bodyPr>
           <a:lstStyle/>
           <a:p>
-            <a:pPr algn="ctr"/>
-            <a:r>
-              <a:rPr sz="4800" b="1">
+            <a:r>
+              <a:rPr sz="1600">
                 <a:solidFill>
-                  <a:srgbClr val="FFFFFF"/>
+                  <a:srgbClr val="2C3E50"/>
                 </a:solidFill>
-                <a:latin typeface="Segoe UI"/>
               </a:rPr>
-              <a:t>Choose the Perfect Card for You</a:t>
-            </a:r>
-          </a:p>
-        </p:txBody>
-      </p:sp>
-      <p:pic>
-        <p:nvPicPr>
-          <p:cNvPr id="4" name="Picture 3" descr="tmp1c1kbg2a.jpg"/>
-          <p:cNvPicPr>
-            <a:picLocks noChangeAspect="1"/>
-          </p:cNvPicPr>
-          <p:nvPr/>
-        </p:nvPicPr>
-        <p:blipFill>
-          <a:blip r:embed="rId2"/>
-          <a:stretch>
-            <a:fillRect/>
-          </a:stretch>
-        </p:blipFill>
-        <p:spPr>
-          <a:xfrm>
-            <a:off x="1371600" y="2743200"/>
-            <a:ext cx="4572000" cy="2743200"/>
-          </a:xfrm>
-          <a:prstGeom prst="rect">
-            <a:avLst/>
-          </a:prstGeom>
-        </p:spPr>
-      </p:pic>
-      <p:sp>
-        <p:nvSpPr>
-          <p:cNvPr id="5" name="Rectangle 4"/>
-          <p:cNvSpPr/>
-          <p:nvPr/>
-        </p:nvSpPr>
-        <p:spPr>
-          <a:xfrm>
-            <a:off x="6858000" y="2743200"/>
-            <a:ext cx="6858000" cy="2743200"/>
-          </a:xfrm>
-          <a:prstGeom prst="rect">
-            <a:avLst/>
-          </a:prstGeom>
-          <a:solidFill>
-            <a:srgbClr val="FFFFFF"/>
-          </a:solidFill>
-          <a:ln w="12700">
-            <a:solidFill>
-              <a:srgbClr val="E0E0E0"/>
-            </a:solidFill>
-          </a:ln>
-          <a:effectLst/>
-        </p:spPr>
-        <p:style>
-          <a:lnRef idx="1">
-            <a:schemeClr val="accent1"/>
-          </a:lnRef>
-          <a:fillRef idx="3">
-            <a:schemeClr val="accent1"/>
-          </a:fillRef>
-          <a:effectRef idx="2">
-            <a:schemeClr val="accent1"/>
-          </a:effectRef>
-          <a:fontRef idx="minor">
-            <a:schemeClr val="lt1"/>
-          </a:fontRef>
-        </p:style>
-        <p:txBody>
-          <a:bodyPr rtlCol="0" anchor="ctr"/>
-          <a:lstStyle/>
-          <a:p>
-            <a:pPr algn="ctr"/>
+              <a:t>✓ Find a card that matches your lifestyle</a:t>
+            </a:r>
           </a:p>
         </p:txBody>
       </p:sp>
@@ -5361,7 +5117,7 @@
         </p:nvSpPr>
         <p:spPr>
           <a:xfrm>
-            <a:off x="7315200" y="3017520"/>
+            <a:off x="7315200" y="3566160"/>
             <a:ext cx="5943600" cy="548640"/>
           </a:xfrm>
           <a:prstGeom prst="rect">
@@ -5384,7 +5140,7 @@
                   <a:srgbClr val="2C3E50"/>
                 </a:solidFill>
               </a:rPr>
-              <a:t>✓ Find a card that matches your lifestyle</a:t>
+              <a:t>✓ Apply online at www.cardx.co.th</a:t>
             </a:r>
           </a:p>
         </p:txBody>
@@ -5397,7 +5153,7 @@
         </p:nvSpPr>
         <p:spPr>
           <a:xfrm>
-            <a:off x="7315200" y="3566160"/>
+            <a:off x="7315200" y="4114800"/>
             <a:ext cx="5943600" cy="548640"/>
           </a:xfrm>
           <a:prstGeom prst="rect">
@@ -5420,7 +5176,7 @@
                   <a:srgbClr val="2C3E50"/>
                 </a:solidFill>
               </a:rPr>
-              <a:t>✓ Apply online at www.cardx.co.th</a:t>
+              <a:t>✓ Special promotions &amp; cashback offers</a:t>
             </a:r>
           </a:p>
         </p:txBody>
@@ -5433,7 +5189,7 @@
         </p:nvSpPr>
         <p:spPr>
           <a:xfrm>
-            <a:off x="7315200" y="4114800"/>
+            <a:off x="7315200" y="4663440"/>
             <a:ext cx="5943600" cy="548640"/>
           </a:xfrm>
           <a:prstGeom prst="rect">
@@ -5456,42 +5212,6 @@
                   <a:srgbClr val="2C3E50"/>
                 </a:solidFill>
               </a:rPr>
-              <a:t>✓ Special promotions &amp; cashback offers</a:t>
-            </a:r>
-          </a:p>
-        </p:txBody>
-      </p:sp>
-      <p:sp>
-        <p:nvSpPr>
-          <p:cNvPr id="9" name="TextBox 8"/>
-          <p:cNvSpPr txBox="1"/>
-          <p:nvPr/>
-        </p:nvSpPr>
-        <p:spPr>
-          <a:xfrm>
-            <a:off x="7315200" y="4663440"/>
-            <a:ext cx="5943600" cy="548640"/>
-          </a:xfrm>
-          <a:prstGeom prst="rect">
-            <a:avLst/>
-          </a:prstGeom>
-          <a:noFill/>
-          <a:ln>
-            <a:noFill/>
-          </a:ln>
-        </p:spPr>
-        <p:txBody>
-          <a:bodyPr wrap="none">
-            <a:spAutoFit/>
-          </a:bodyPr>
-          <a:lstStyle/>
-          <a:p>
-            <a:r>
-              <a:rPr sz="1600">
-                <a:solidFill>
-                  <a:srgbClr val="2C3E50"/>
-                </a:solidFill>
-              </a:rPr>
               <a:t>✓ Join over 1M+ satisfied users</a:t>
             </a:r>
           </a:p>
@@ -5499,7 +5219,7 @@
       </p:sp>
       <p:sp>
         <p:nvSpPr>
-          <p:cNvPr id="10" name="Rounded Rectangle 9"/>
+          <p:cNvPr id="9" name="Rounded Rectangle 8"/>
           <p:cNvSpPr/>
           <p:nvPr/>
         </p:nvSpPr>
